--- a/Java Workshop.pptx
+++ b/Java Workshop.pptx
@@ -769,7 +769,7 @@
           <a:p>
             <a:fld id="{EFF39D15-8D23-49C1-820D-8A1AC0F72D53}" type="datetimeFigureOut">
               <a:rPr lang="en-IN" smtClean="0"/>
-              <a:t>24-01-2022</a:t>
+              <a:t>25-01-2022</a:t>
             </a:fld>
             <a:endParaRPr lang="en-IN"/>
           </a:p>
@@ -6058,7 +6058,7 @@
         </p:blipFill>
         <p:spPr bwMode="auto">
           <a:xfrm>
-            <a:off x="1691680" y="1426168"/>
+            <a:off x="1691680" y="1268760"/>
             <a:ext cx="6429093" cy="4752528"/>
           </a:xfrm>
           <a:prstGeom prst="rect">
